--- a/Chapitre_01_Correction/Cours/images/Figures.pptx
+++ b/Chapitre_01_Correction/Cours/images/Figures.pptx
@@ -6,6 +6,7 @@
   </p:sldMasterIdLst>
   <p:sldIdLst>
     <p:sldId id="256" r:id="rId2"/>
+    <p:sldId id="257" r:id="rId3"/>
   </p:sldIdLst>
   <p:sldSz cx="9144000" cy="6858000" type="screen4x3"/>
   <p:notesSz cx="6858000" cy="9144000"/>
@@ -3649,8 +3650,8 @@
           </a:fontRef>
         </p:style>
       </p:cxnSp>
-      <mc:AlternateContent xmlns:mc="http://schemas.openxmlformats.org/markup-compatibility/2006">
-        <mc:Choice xmlns:a14="http://schemas.microsoft.com/office/drawing/2010/main" Requires="a14">
+      <mc:AlternateContent xmlns:mc="http://schemas.openxmlformats.org/markup-compatibility/2006" xmlns:a14="http://schemas.microsoft.com/office/drawing/2010/main">
+        <mc:Choice Requires="a14">
           <p:sp>
             <p:nvSpPr>
               <p:cNvPr id="33" name="ZoneTexte 32"/>
@@ -3673,6 +3674,7 @@
               </a:bodyPr>
               <a:lstStyle/>
               <a:p>
+                <a:pPr/>
                 <a14:m>
                   <m:oMathPara xmlns:m="http://schemas.openxmlformats.org/officeDocument/2006/math">
                     <m:oMathParaPr>
@@ -3711,7 +3713,7 @@
             </p:txBody>
           </p:sp>
         </mc:Choice>
-        <mc:Fallback>
+        <mc:Fallback xmlns="">
           <p:sp>
             <p:nvSpPr>
               <p:cNvPr id="33" name="ZoneTexte 32"/>
@@ -3750,8 +3752,8 @@
           </p:sp>
         </mc:Fallback>
       </mc:AlternateContent>
-      <mc:AlternateContent xmlns:mc="http://schemas.openxmlformats.org/markup-compatibility/2006">
-        <mc:Choice xmlns:a14="http://schemas.microsoft.com/office/drawing/2010/main" Requires="a14">
+      <mc:AlternateContent xmlns:mc="http://schemas.openxmlformats.org/markup-compatibility/2006" xmlns:a14="http://schemas.microsoft.com/office/drawing/2010/main">
+        <mc:Choice Requires="a14">
           <p:sp>
             <p:nvSpPr>
               <p:cNvPr id="34" name="ZoneTexte 33"/>
@@ -3774,6 +3776,7 @@
               </a:bodyPr>
               <a:lstStyle/>
               <a:p>
+                <a:pPr/>
                 <a14:m>
                   <m:oMathPara xmlns:m="http://schemas.openxmlformats.org/officeDocument/2006/math">
                     <m:oMathParaPr>
@@ -3812,7 +3815,7 @@
             </p:txBody>
           </p:sp>
         </mc:Choice>
-        <mc:Fallback>
+        <mc:Fallback xmlns="">
           <p:sp>
             <p:nvSpPr>
               <p:cNvPr id="34" name="ZoneTexte 33"/>
@@ -3851,8 +3854,8 @@
           </p:sp>
         </mc:Fallback>
       </mc:AlternateContent>
-      <mc:AlternateContent xmlns:mc="http://schemas.openxmlformats.org/markup-compatibility/2006">
-        <mc:Choice xmlns:a14="http://schemas.microsoft.com/office/drawing/2010/main" Requires="a14">
+      <mc:AlternateContent xmlns:mc="http://schemas.openxmlformats.org/markup-compatibility/2006" xmlns:a14="http://schemas.microsoft.com/office/drawing/2010/main">
+        <mc:Choice Requires="a14">
           <p:sp>
             <p:nvSpPr>
               <p:cNvPr id="35" name="ZoneTexte 34"/>
@@ -3875,6 +3878,7 @@
               </a:bodyPr>
               <a:lstStyle/>
               <a:p>
+                <a:pPr/>
                 <a14:m>
                   <m:oMathPara xmlns:m="http://schemas.openxmlformats.org/officeDocument/2006/math">
                     <m:oMathParaPr>
@@ -3913,7 +3917,7 @@
             </p:txBody>
           </p:sp>
         </mc:Choice>
-        <mc:Fallback>
+        <mc:Fallback xmlns="">
           <p:sp>
             <p:nvSpPr>
               <p:cNvPr id="35" name="ZoneTexte 34"/>
@@ -3952,8 +3956,8 @@
           </p:sp>
         </mc:Fallback>
       </mc:AlternateContent>
-      <mc:AlternateContent xmlns:mc="http://schemas.openxmlformats.org/markup-compatibility/2006">
-        <mc:Choice xmlns:a14="http://schemas.microsoft.com/office/drawing/2010/main" Requires="a14">
+      <mc:AlternateContent xmlns:mc="http://schemas.openxmlformats.org/markup-compatibility/2006" xmlns:a14="http://schemas.microsoft.com/office/drawing/2010/main">
+        <mc:Choice Requires="a14">
           <p:sp>
             <p:nvSpPr>
               <p:cNvPr id="36" name="ZoneTexte 35"/>
@@ -3976,6 +3980,7 @@
               </a:bodyPr>
               <a:lstStyle/>
               <a:p>
+                <a:pPr/>
                 <a14:m>
                   <m:oMathPara xmlns:m="http://schemas.openxmlformats.org/officeDocument/2006/math">
                     <m:oMathParaPr>
@@ -4014,7 +4019,7 @@
             </p:txBody>
           </p:sp>
         </mc:Choice>
-        <mc:Fallback>
+        <mc:Fallback xmlns="">
           <p:sp>
             <p:nvSpPr>
               <p:cNvPr id="36" name="ZoneTexte 35"/>
@@ -4057,6 +4062,528 @@
     <p:extLst>
       <p:ext uri="{BB962C8B-B14F-4D97-AF65-F5344CB8AC3E}">
         <p14:creationId xmlns:p14="http://schemas.microsoft.com/office/powerpoint/2010/main" val="4282278104"/>
+      </p:ext>
+    </p:extLst>
+  </p:cSld>
+  <p:clrMapOvr>
+    <a:masterClrMapping/>
+  </p:clrMapOvr>
+</p:sld>
+</file>
+
+<file path=ppt/slides/slide2.xml><?xml version="1.0" encoding="utf-8"?>
+<p:sld xmlns:a="http://schemas.openxmlformats.org/drawingml/2006/main" xmlns:r="http://schemas.openxmlformats.org/officeDocument/2006/relationships" xmlns:p="http://schemas.openxmlformats.org/presentationml/2006/main">
+  <p:cSld>
+    <p:spTree>
+      <p:nvGrpSpPr>
+        <p:cNvPr id="1" name=""/>
+        <p:cNvGrpSpPr/>
+        <p:nvPr/>
+      </p:nvGrpSpPr>
+      <p:grpSpPr>
+        <a:xfrm>
+          <a:off x="0" y="0"/>
+          <a:ext cx="0" cy="0"/>
+          <a:chOff x="0" y="0"/>
+          <a:chExt cx="0" cy="0"/>
+        </a:xfrm>
+      </p:grpSpPr>
+      <p:pic>
+        <p:nvPicPr>
+          <p:cNvPr id="1026" name="Picture 2" descr="C:\Enseignement\GitHub\Cy_03_PSI_ConceptionCommande\Chapitre_01_Correction\Cours\images\fig_05b.png"/>
+          <p:cNvPicPr>
+            <a:picLocks noChangeAspect="1" noChangeArrowheads="1"/>
+          </p:cNvPicPr>
+          <p:nvPr/>
+        </p:nvPicPr>
+        <p:blipFill>
+          <a:blip r:embed="rId2" cstate="print">
+            <a:extLst>
+              <a:ext uri="{28A0092B-C50C-407E-A947-70E740481C1C}">
+                <a14:useLocalDpi xmlns:a14="http://schemas.microsoft.com/office/drawing/2010/main" val="0"/>
+              </a:ext>
+            </a:extLst>
+          </a:blip>
+          <a:srcRect/>
+          <a:stretch>
+            <a:fillRect/>
+          </a:stretch>
+        </p:blipFill>
+        <p:spPr bwMode="auto">
+          <a:xfrm>
+            <a:off x="-468561" y="94508"/>
+            <a:ext cx="12526963" cy="6788151"/>
+          </a:xfrm>
+          <a:prstGeom prst="rect">
+            <a:avLst/>
+          </a:prstGeom>
+          <a:noFill/>
+          <a:extLst>
+            <a:ext uri="{909E8E84-426E-40DD-AFC4-6F175D3DCCD1}">
+              <a14:hiddenFill xmlns:a14="http://schemas.microsoft.com/office/drawing/2010/main">
+                <a:solidFill>
+                  <a:srgbClr val="FFFFFF"/>
+                </a:solidFill>
+              </a14:hiddenFill>
+            </a:ext>
+          </a:extLst>
+        </p:spPr>
+      </p:pic>
+      <p:cxnSp>
+        <p:nvCxnSpPr>
+          <p:cNvPr id="5" name="Connecteur droit avec flèche 4"/>
+          <p:cNvCxnSpPr/>
+          <p:nvPr/>
+        </p:nvCxnSpPr>
+        <p:spPr>
+          <a:xfrm flipV="1">
+            <a:off x="107504" y="764704"/>
+            <a:ext cx="0" cy="648072"/>
+          </a:xfrm>
+          <a:prstGeom prst="straightConnector1">
+            <a:avLst/>
+          </a:prstGeom>
+          <a:ln w="57150" cmpd="dbl">
+            <a:solidFill>
+              <a:schemeClr val="accent5">
+                <a:lumMod val="50000"/>
+              </a:schemeClr>
+            </a:solidFill>
+            <a:tailEnd type="stealth" w="med" len="lg"/>
+          </a:ln>
+        </p:spPr>
+        <p:style>
+          <a:lnRef idx="1">
+            <a:schemeClr val="accent1"/>
+          </a:lnRef>
+          <a:fillRef idx="0">
+            <a:schemeClr val="accent1"/>
+          </a:fillRef>
+          <a:effectRef idx="0">
+            <a:schemeClr val="accent1"/>
+          </a:effectRef>
+          <a:fontRef idx="minor">
+            <a:schemeClr val="tx1"/>
+          </a:fontRef>
+        </p:style>
+      </p:cxnSp>
+      <p:cxnSp>
+        <p:nvCxnSpPr>
+          <p:cNvPr id="7" name="Connecteur droit avec flèche 6"/>
+          <p:cNvCxnSpPr/>
+          <p:nvPr/>
+        </p:nvCxnSpPr>
+        <p:spPr>
+          <a:xfrm flipV="1">
+            <a:off x="1565666" y="764704"/>
+            <a:ext cx="0" cy="648072"/>
+          </a:xfrm>
+          <a:prstGeom prst="straightConnector1">
+            <a:avLst/>
+          </a:prstGeom>
+          <a:ln w="57150" cmpd="dbl">
+            <a:solidFill>
+              <a:schemeClr val="accent5">
+                <a:lumMod val="50000"/>
+              </a:schemeClr>
+            </a:solidFill>
+            <a:tailEnd type="stealth" w="med" len="lg"/>
+          </a:ln>
+        </p:spPr>
+        <p:style>
+          <a:lnRef idx="1">
+            <a:schemeClr val="accent1"/>
+          </a:lnRef>
+          <a:fillRef idx="0">
+            <a:schemeClr val="accent1"/>
+          </a:fillRef>
+          <a:effectRef idx="0">
+            <a:schemeClr val="accent1"/>
+          </a:effectRef>
+          <a:fontRef idx="minor">
+            <a:schemeClr val="tx1"/>
+          </a:fontRef>
+        </p:style>
+      </p:cxnSp>
+      <p:cxnSp>
+        <p:nvCxnSpPr>
+          <p:cNvPr id="8" name="Connecteur droit avec flèche 7"/>
+          <p:cNvCxnSpPr/>
+          <p:nvPr/>
+        </p:nvCxnSpPr>
+        <p:spPr>
+          <a:xfrm flipV="1">
+            <a:off x="3023828" y="797880"/>
+            <a:ext cx="0" cy="648072"/>
+          </a:xfrm>
+          <a:prstGeom prst="straightConnector1">
+            <a:avLst/>
+          </a:prstGeom>
+          <a:ln w="57150" cmpd="dbl">
+            <a:solidFill>
+              <a:schemeClr val="accent5">
+                <a:lumMod val="50000"/>
+              </a:schemeClr>
+            </a:solidFill>
+            <a:tailEnd type="stealth" w="med" len="lg"/>
+          </a:ln>
+        </p:spPr>
+        <p:style>
+          <a:lnRef idx="1">
+            <a:schemeClr val="accent1"/>
+          </a:lnRef>
+          <a:fillRef idx="0">
+            <a:schemeClr val="accent1"/>
+          </a:fillRef>
+          <a:effectRef idx="0">
+            <a:schemeClr val="accent1"/>
+          </a:effectRef>
+          <a:fontRef idx="minor">
+            <a:schemeClr val="tx1"/>
+          </a:fontRef>
+        </p:style>
+      </p:cxnSp>
+      <p:cxnSp>
+        <p:nvCxnSpPr>
+          <p:cNvPr id="9" name="Connecteur droit avec flèche 8"/>
+          <p:cNvCxnSpPr/>
+          <p:nvPr/>
+        </p:nvCxnSpPr>
+        <p:spPr>
+          <a:xfrm flipV="1">
+            <a:off x="4481990" y="939163"/>
+            <a:ext cx="0" cy="648072"/>
+          </a:xfrm>
+          <a:prstGeom prst="straightConnector1">
+            <a:avLst/>
+          </a:prstGeom>
+          <a:ln w="57150" cmpd="dbl">
+            <a:solidFill>
+              <a:schemeClr val="accent5">
+                <a:lumMod val="50000"/>
+              </a:schemeClr>
+            </a:solidFill>
+            <a:tailEnd type="stealth" w="med" len="lg"/>
+          </a:ln>
+        </p:spPr>
+        <p:style>
+          <a:lnRef idx="1">
+            <a:schemeClr val="accent1"/>
+          </a:lnRef>
+          <a:fillRef idx="0">
+            <a:schemeClr val="accent1"/>
+          </a:fillRef>
+          <a:effectRef idx="0">
+            <a:schemeClr val="accent1"/>
+          </a:effectRef>
+          <a:fontRef idx="minor">
+            <a:schemeClr val="tx1"/>
+          </a:fontRef>
+        </p:style>
+      </p:cxnSp>
+      <p:cxnSp>
+        <p:nvCxnSpPr>
+          <p:cNvPr id="10" name="Connecteur droit avec flèche 9"/>
+          <p:cNvCxnSpPr/>
+          <p:nvPr/>
+        </p:nvCxnSpPr>
+        <p:spPr>
+          <a:xfrm flipV="1">
+            <a:off x="5940152" y="1252172"/>
+            <a:ext cx="0" cy="648072"/>
+          </a:xfrm>
+          <a:prstGeom prst="straightConnector1">
+            <a:avLst/>
+          </a:prstGeom>
+          <a:ln w="57150" cmpd="dbl">
+            <a:solidFill>
+              <a:schemeClr val="accent5">
+                <a:lumMod val="50000"/>
+              </a:schemeClr>
+            </a:solidFill>
+            <a:tailEnd type="stealth" w="med" len="lg"/>
+          </a:ln>
+        </p:spPr>
+        <p:style>
+          <a:lnRef idx="1">
+            <a:schemeClr val="accent1"/>
+          </a:lnRef>
+          <a:fillRef idx="0">
+            <a:schemeClr val="accent1"/>
+          </a:fillRef>
+          <a:effectRef idx="0">
+            <a:schemeClr val="accent1"/>
+          </a:effectRef>
+          <a:fontRef idx="minor">
+            <a:schemeClr val="tx1"/>
+          </a:fontRef>
+        </p:style>
+      </p:cxnSp>
+      <p:cxnSp>
+        <p:nvCxnSpPr>
+          <p:cNvPr id="11" name="Connecteur droit avec flèche 10"/>
+          <p:cNvCxnSpPr/>
+          <p:nvPr/>
+        </p:nvCxnSpPr>
+        <p:spPr>
+          <a:xfrm flipV="1">
+            <a:off x="7398314" y="1556792"/>
+            <a:ext cx="0" cy="648072"/>
+          </a:xfrm>
+          <a:prstGeom prst="straightConnector1">
+            <a:avLst/>
+          </a:prstGeom>
+          <a:ln w="57150" cmpd="dbl">
+            <a:solidFill>
+              <a:schemeClr val="accent5">
+                <a:lumMod val="50000"/>
+              </a:schemeClr>
+            </a:solidFill>
+            <a:tailEnd type="stealth" w="med" len="lg"/>
+          </a:ln>
+        </p:spPr>
+        <p:style>
+          <a:lnRef idx="1">
+            <a:schemeClr val="accent1"/>
+          </a:lnRef>
+          <a:fillRef idx="0">
+            <a:schemeClr val="accent1"/>
+          </a:fillRef>
+          <a:effectRef idx="0">
+            <a:schemeClr val="accent1"/>
+          </a:effectRef>
+          <a:fontRef idx="minor">
+            <a:schemeClr val="tx1"/>
+          </a:fontRef>
+        </p:style>
+      </p:cxnSp>
+      <p:cxnSp>
+        <p:nvCxnSpPr>
+          <p:cNvPr id="12" name="Connecteur droit avec flèche 11"/>
+          <p:cNvCxnSpPr/>
+          <p:nvPr/>
+        </p:nvCxnSpPr>
+        <p:spPr>
+          <a:xfrm flipV="1">
+            <a:off x="8856476" y="2060848"/>
+            <a:ext cx="0" cy="648072"/>
+          </a:xfrm>
+          <a:prstGeom prst="straightConnector1">
+            <a:avLst/>
+          </a:prstGeom>
+          <a:ln w="57150" cmpd="dbl">
+            <a:solidFill>
+              <a:schemeClr val="accent5">
+                <a:lumMod val="50000"/>
+              </a:schemeClr>
+            </a:solidFill>
+            <a:tailEnd type="stealth" w="med" len="lg"/>
+          </a:ln>
+        </p:spPr>
+        <p:style>
+          <a:lnRef idx="1">
+            <a:schemeClr val="accent1"/>
+          </a:lnRef>
+          <a:fillRef idx="0">
+            <a:schemeClr val="accent1"/>
+          </a:fillRef>
+          <a:effectRef idx="0">
+            <a:schemeClr val="accent1"/>
+          </a:effectRef>
+          <a:fontRef idx="minor">
+            <a:schemeClr val="tx1"/>
+          </a:fontRef>
+        </p:style>
+      </p:cxnSp>
+      <p:cxnSp>
+        <p:nvCxnSpPr>
+          <p:cNvPr id="13" name="Connecteur droit avec flèche 12"/>
+          <p:cNvCxnSpPr/>
+          <p:nvPr/>
+        </p:nvCxnSpPr>
+        <p:spPr>
+          <a:xfrm flipV="1">
+            <a:off x="10314638" y="2636912"/>
+            <a:ext cx="0" cy="648072"/>
+          </a:xfrm>
+          <a:prstGeom prst="straightConnector1">
+            <a:avLst/>
+          </a:prstGeom>
+          <a:ln w="57150" cmpd="dbl">
+            <a:solidFill>
+              <a:schemeClr val="accent5">
+                <a:lumMod val="50000"/>
+              </a:schemeClr>
+            </a:solidFill>
+            <a:tailEnd type="stealth" w="med" len="lg"/>
+          </a:ln>
+        </p:spPr>
+        <p:style>
+          <a:lnRef idx="1">
+            <a:schemeClr val="accent1"/>
+          </a:lnRef>
+          <a:fillRef idx="0">
+            <a:schemeClr val="accent1"/>
+          </a:fillRef>
+          <a:effectRef idx="0">
+            <a:schemeClr val="accent1"/>
+          </a:effectRef>
+          <a:fontRef idx="minor">
+            <a:schemeClr val="tx1"/>
+          </a:fontRef>
+        </p:style>
+      </p:cxnSp>
+      <p:cxnSp>
+        <p:nvCxnSpPr>
+          <p:cNvPr id="14" name="Connecteur droit avec flèche 13"/>
+          <p:cNvCxnSpPr/>
+          <p:nvPr/>
+        </p:nvCxnSpPr>
+        <p:spPr>
+          <a:xfrm flipV="1">
+            <a:off x="11772800" y="3284984"/>
+            <a:ext cx="0" cy="648072"/>
+          </a:xfrm>
+          <a:prstGeom prst="straightConnector1">
+            <a:avLst/>
+          </a:prstGeom>
+          <a:ln w="57150" cmpd="dbl">
+            <a:solidFill>
+              <a:schemeClr val="accent5">
+                <a:lumMod val="50000"/>
+              </a:schemeClr>
+            </a:solidFill>
+            <a:tailEnd type="stealth" w="med" len="lg"/>
+          </a:ln>
+        </p:spPr>
+        <p:style>
+          <a:lnRef idx="1">
+            <a:schemeClr val="accent1"/>
+          </a:lnRef>
+          <a:fillRef idx="0">
+            <a:schemeClr val="accent1"/>
+          </a:fillRef>
+          <a:effectRef idx="0">
+            <a:schemeClr val="accent1"/>
+          </a:effectRef>
+          <a:fontRef idx="minor">
+            <a:schemeClr val="tx1"/>
+          </a:fontRef>
+        </p:style>
+      </p:cxnSp>
+      <p:sp>
+        <p:nvSpPr>
+          <p:cNvPr id="6" name="ZoneTexte 5"/>
+          <p:cNvSpPr txBox="1"/>
+          <p:nvPr/>
+        </p:nvSpPr>
+        <p:spPr>
+          <a:xfrm>
+            <a:off x="4597036" y="505821"/>
+            <a:ext cx="4322017" cy="369332"/>
+          </a:xfrm>
+          <a:prstGeom prst="rect">
+            <a:avLst/>
+          </a:prstGeom>
+          <a:noFill/>
+        </p:spPr>
+        <p:txBody>
+          <a:bodyPr wrap="none" rtlCol="0">
+            <a:spAutoFit/>
+          </a:bodyPr>
+          <a:lstStyle/>
+          <a:p>
+            <a:r>
+              <a:rPr lang="fr-FR" b="1" dirty="0" smtClean="0"/>
+              <a:t>Augmentation du gain pour toute pulsation</a:t>
+            </a:r>
+            <a:endParaRPr lang="fr-FR" b="1" dirty="0"/>
+          </a:p>
+        </p:txBody>
+      </p:sp>
+      <p:sp>
+        <p:nvSpPr>
+          <p:cNvPr id="16" name="Arc 15"/>
+          <p:cNvSpPr/>
+          <p:nvPr/>
+        </p:nvSpPr>
+        <p:spPr>
+          <a:xfrm flipV="1">
+            <a:off x="7062374" y="1412776"/>
+            <a:ext cx="1974121" cy="1548172"/>
+          </a:xfrm>
+          <a:prstGeom prst="arc">
+            <a:avLst>
+              <a:gd name="adj1" fmla="val 10821201"/>
+              <a:gd name="adj2" fmla="val 0"/>
+            </a:avLst>
+          </a:prstGeom>
+          <a:ln w="57150" cmpd="sng">
+            <a:solidFill>
+              <a:schemeClr val="accent5">
+                <a:lumMod val="50000"/>
+              </a:schemeClr>
+            </a:solidFill>
+            <a:tailEnd type="stealth" w="med" len="lg"/>
+          </a:ln>
+        </p:spPr>
+        <p:style>
+          <a:lnRef idx="1">
+            <a:schemeClr val="accent1"/>
+          </a:lnRef>
+          <a:fillRef idx="0">
+            <a:schemeClr val="accent1"/>
+          </a:fillRef>
+          <a:effectRef idx="0">
+            <a:schemeClr val="accent1"/>
+          </a:effectRef>
+          <a:fontRef idx="minor">
+            <a:schemeClr val="tx1"/>
+          </a:fontRef>
+        </p:style>
+        <p:txBody>
+          <a:bodyPr rtlCol="0" anchor="ctr"/>
+          <a:lstStyle/>
+          <a:p>
+            <a:pPr algn="ctr"/>
+            <a:endParaRPr lang="fr-FR"/>
+          </a:p>
+        </p:txBody>
+      </p:sp>
+      <p:sp>
+        <p:nvSpPr>
+          <p:cNvPr id="25" name="ZoneTexte 24"/>
+          <p:cNvSpPr txBox="1"/>
+          <p:nvPr/>
+        </p:nvSpPr>
+        <p:spPr>
+          <a:xfrm>
+            <a:off x="5228633" y="3052741"/>
+            <a:ext cx="3915367" cy="369332"/>
+          </a:xfrm>
+          <a:prstGeom prst="rect">
+            <a:avLst/>
+          </a:prstGeom>
+          <a:noFill/>
+        </p:spPr>
+        <p:txBody>
+          <a:bodyPr wrap="none" rtlCol="0">
+            <a:spAutoFit/>
+          </a:bodyPr>
+          <a:lstStyle/>
+          <a:p>
+            <a:r>
+              <a:rPr lang="fr-FR" b="1" dirty="0" smtClean="0"/>
+              <a:t>Augmentation de pulsation de coupure</a:t>
+            </a:r>
+            <a:endParaRPr lang="fr-FR" b="1" dirty="0"/>
+          </a:p>
+        </p:txBody>
+      </p:sp>
+    </p:spTree>
+    <p:extLst>
+      <p:ext uri="{BB962C8B-B14F-4D97-AF65-F5344CB8AC3E}">
+        <p14:creationId xmlns:p14="http://schemas.microsoft.com/office/powerpoint/2010/main" val="3874231730"/>
       </p:ext>
     </p:extLst>
   </p:cSld>

--- a/Chapitre_01_Correction/Cours/images/Figures.pptx
+++ b/Chapitre_01_Correction/Cours/images/Figures.pptx
@@ -7,6 +7,7 @@
   <p:sldIdLst>
     <p:sldId id="256" r:id="rId2"/>
     <p:sldId id="257" r:id="rId3"/>
+    <p:sldId id="258" r:id="rId4"/>
   </p:sldIdLst>
   <p:sldSz cx="9144000" cy="6858000" type="screen4x3"/>
   <p:notesSz cx="6858000" cy="9144000"/>
@@ -289,7 +290,7 @@
           <a:p>
             <a:fld id="{AA309A6D-C09C-4548-B29A-6CF363A7E532}" type="datetimeFigureOut">
               <a:rPr lang="fr-FR" smtClean="0"/>
-              <a:t>13/10/2017</a:t>
+              <a:t>18/10/2017</a:t>
             </a:fld>
             <a:endParaRPr lang="fr-BE"/>
           </a:p>
@@ -454,7 +455,7 @@
           <a:p>
             <a:fld id="{AA309A6D-C09C-4548-B29A-6CF363A7E532}" type="datetimeFigureOut">
               <a:rPr lang="fr-FR" smtClean="0"/>
-              <a:t>13/10/2017</a:t>
+              <a:t>18/10/2017</a:t>
             </a:fld>
             <a:endParaRPr lang="fr-BE"/>
           </a:p>
@@ -629,7 +630,7 @@
           <a:p>
             <a:fld id="{AA309A6D-C09C-4548-B29A-6CF363A7E532}" type="datetimeFigureOut">
               <a:rPr lang="fr-FR" smtClean="0"/>
-              <a:t>13/10/2017</a:t>
+              <a:t>18/10/2017</a:t>
             </a:fld>
             <a:endParaRPr lang="fr-BE"/>
           </a:p>
@@ -794,7 +795,7 @@
           <a:p>
             <a:fld id="{AA309A6D-C09C-4548-B29A-6CF363A7E532}" type="datetimeFigureOut">
               <a:rPr lang="fr-FR" smtClean="0"/>
-              <a:t>13/10/2017</a:t>
+              <a:t>18/10/2017</a:t>
             </a:fld>
             <a:endParaRPr lang="fr-BE"/>
           </a:p>
@@ -1035,7 +1036,7 @@
           <a:p>
             <a:fld id="{AA309A6D-C09C-4548-B29A-6CF363A7E532}" type="datetimeFigureOut">
               <a:rPr lang="fr-FR" smtClean="0"/>
-              <a:t>13/10/2017</a:t>
+              <a:t>18/10/2017</a:t>
             </a:fld>
             <a:endParaRPr lang="fr-BE"/>
           </a:p>
@@ -1318,7 +1319,7 @@
           <a:p>
             <a:fld id="{AA309A6D-C09C-4548-B29A-6CF363A7E532}" type="datetimeFigureOut">
               <a:rPr lang="fr-FR" smtClean="0"/>
-              <a:t>13/10/2017</a:t>
+              <a:t>18/10/2017</a:t>
             </a:fld>
             <a:endParaRPr lang="fr-BE"/>
           </a:p>
@@ -1735,7 +1736,7 @@
           <a:p>
             <a:fld id="{AA309A6D-C09C-4548-B29A-6CF363A7E532}" type="datetimeFigureOut">
               <a:rPr lang="fr-FR" smtClean="0"/>
-              <a:t>13/10/2017</a:t>
+              <a:t>18/10/2017</a:t>
             </a:fld>
             <a:endParaRPr lang="fr-BE"/>
           </a:p>
@@ -1848,7 +1849,7 @@
           <a:p>
             <a:fld id="{AA309A6D-C09C-4548-B29A-6CF363A7E532}" type="datetimeFigureOut">
               <a:rPr lang="fr-FR" smtClean="0"/>
-              <a:t>13/10/2017</a:t>
+              <a:t>18/10/2017</a:t>
             </a:fld>
             <a:endParaRPr lang="fr-BE"/>
           </a:p>
@@ -1938,7 +1939,7 @@
           <a:p>
             <a:fld id="{AA309A6D-C09C-4548-B29A-6CF363A7E532}" type="datetimeFigureOut">
               <a:rPr lang="fr-FR" smtClean="0"/>
-              <a:t>13/10/2017</a:t>
+              <a:t>18/10/2017</a:t>
             </a:fld>
             <a:endParaRPr lang="fr-BE"/>
           </a:p>
@@ -2210,7 +2211,7 @@
           <a:p>
             <a:fld id="{AA309A6D-C09C-4548-B29A-6CF363A7E532}" type="datetimeFigureOut">
               <a:rPr lang="fr-FR" smtClean="0"/>
-              <a:t>13/10/2017</a:t>
+              <a:t>18/10/2017</a:t>
             </a:fld>
             <a:endParaRPr lang="fr-BE"/>
           </a:p>
@@ -2458,7 +2459,7 @@
           <a:p>
             <a:fld id="{AA309A6D-C09C-4548-B29A-6CF363A7E532}" type="datetimeFigureOut">
               <a:rPr lang="fr-FR" smtClean="0"/>
-              <a:t>13/10/2017</a:t>
+              <a:t>18/10/2017</a:t>
             </a:fld>
             <a:endParaRPr lang="fr-BE"/>
           </a:p>
@@ -2666,7 +2667,7 @@
           <a:p>
             <a:fld id="{AA309A6D-C09C-4548-B29A-6CF363A7E532}" type="datetimeFigureOut">
               <a:rPr lang="fr-FR" smtClean="0"/>
-              <a:t>13/10/2017</a:t>
+              <a:t>18/10/2017</a:t>
             </a:fld>
             <a:endParaRPr lang="fr-BE"/>
           </a:p>
@@ -4593,6 +4594,257 @@
 </p:sld>
 </file>
 
+<file path=ppt/slides/slide3.xml><?xml version="1.0" encoding="utf-8"?>
+<p:sld xmlns:a="http://schemas.openxmlformats.org/drawingml/2006/main" xmlns:r="http://schemas.openxmlformats.org/officeDocument/2006/relationships" xmlns:p="http://schemas.openxmlformats.org/presentationml/2006/main">
+  <p:cSld>
+    <p:spTree>
+      <p:nvGrpSpPr>
+        <p:cNvPr id="1" name=""/>
+        <p:cNvGrpSpPr/>
+        <p:nvPr/>
+      </p:nvGrpSpPr>
+      <p:grpSpPr>
+        <a:xfrm>
+          <a:off x="0" y="0"/>
+          <a:ext cx="0" cy="0"/>
+          <a:chOff x="0" y="0"/>
+          <a:chExt cx="0" cy="0"/>
+        </a:xfrm>
+      </p:grpSpPr>
+      <p:pic>
+        <p:nvPicPr>
+          <p:cNvPr id="1026" name="Picture 2" descr="C:\Enseignement\GitHub\Cy_03_PSI_ConceptionCommande\Chapitre_01_Correction\Cours\images\Avance_Bode.png"/>
+          <p:cNvPicPr>
+            <a:picLocks noChangeAspect="1" noChangeArrowheads="1"/>
+          </p:cNvPicPr>
+          <p:nvPr/>
+        </p:nvPicPr>
+        <p:blipFill>
+          <a:blip r:embed="rId2" cstate="print">
+            <a:extLst>
+              <a:ext uri="{28A0092B-C50C-407E-A947-70E740481C1C}">
+                <a14:useLocalDpi xmlns:a14="http://schemas.microsoft.com/office/drawing/2010/main" val="0"/>
+              </a:ext>
+            </a:extLst>
+          </a:blip>
+          <a:srcRect/>
+          <a:stretch>
+            <a:fillRect/>
+          </a:stretch>
+        </p:blipFill>
+        <p:spPr bwMode="auto">
+          <a:xfrm>
+            <a:off x="718948" y="0"/>
+            <a:ext cx="6845301" cy="6480175"/>
+          </a:xfrm>
+          <a:prstGeom prst="rect">
+            <a:avLst/>
+          </a:prstGeom>
+          <a:noFill/>
+          <a:extLst>
+            <a:ext uri="{909E8E84-426E-40DD-AFC4-6F175D3DCCD1}">
+              <a14:hiddenFill xmlns:a14="http://schemas.microsoft.com/office/drawing/2010/main">
+                <a:solidFill>
+                  <a:srgbClr val="FFFFFF"/>
+                </a:solidFill>
+              </a14:hiddenFill>
+            </a:ext>
+          </a:extLst>
+        </p:spPr>
+      </p:pic>
+      <p:sp>
+        <p:nvSpPr>
+          <p:cNvPr id="4" name="ZoneTexte 3"/>
+          <p:cNvSpPr txBox="1"/>
+          <p:nvPr/>
+        </p:nvSpPr>
+        <p:spPr>
+          <a:xfrm>
+            <a:off x="5583405" y="476672"/>
+            <a:ext cx="1868915" cy="369332"/>
+          </a:xfrm>
+          <a:prstGeom prst="rect">
+            <a:avLst/>
+          </a:prstGeom>
+          <a:noFill/>
+        </p:spPr>
+        <p:txBody>
+          <a:bodyPr wrap="square" rtlCol="0">
+            <a:spAutoFit/>
+          </a:bodyPr>
+          <a:lstStyle/>
+          <a:p>
+            <a:r>
+              <a:rPr lang="fr-FR" dirty="0" smtClean="0"/>
+              <a:t>Correcteur</a:t>
+            </a:r>
+            <a:endParaRPr lang="fr-FR" dirty="0"/>
+          </a:p>
+        </p:txBody>
+      </p:sp>
+      <p:sp>
+        <p:nvSpPr>
+          <p:cNvPr id="6" name="ZoneTexte 5"/>
+          <p:cNvSpPr txBox="1"/>
+          <p:nvPr/>
+        </p:nvSpPr>
+        <p:spPr>
+          <a:xfrm rot="2386385">
+            <a:off x="5583405" y="1751835"/>
+            <a:ext cx="1868915" cy="369332"/>
+          </a:xfrm>
+          <a:prstGeom prst="rect">
+            <a:avLst/>
+          </a:prstGeom>
+          <a:noFill/>
+        </p:spPr>
+        <p:txBody>
+          <a:bodyPr wrap="square" rtlCol="0">
+            <a:spAutoFit/>
+          </a:bodyPr>
+          <a:lstStyle/>
+          <a:p>
+            <a:r>
+              <a:rPr lang="fr-FR" dirty="0" smtClean="0"/>
+              <a:t>BO Corrigée</a:t>
+            </a:r>
+            <a:endParaRPr lang="fr-FR" dirty="0"/>
+          </a:p>
+        </p:txBody>
+      </p:sp>
+      <p:sp>
+        <p:nvSpPr>
+          <p:cNvPr id="7" name="ZoneTexte 6"/>
+          <p:cNvSpPr txBox="1"/>
+          <p:nvPr/>
+        </p:nvSpPr>
+        <p:spPr>
+          <a:xfrm>
+            <a:off x="2267569" y="5728207"/>
+            <a:ext cx="1868915" cy="369332"/>
+          </a:xfrm>
+          <a:prstGeom prst="rect">
+            <a:avLst/>
+          </a:prstGeom>
+          <a:noFill/>
+        </p:spPr>
+        <p:txBody>
+          <a:bodyPr wrap="square" rtlCol="0">
+            <a:spAutoFit/>
+          </a:bodyPr>
+          <a:lstStyle/>
+          <a:p>
+            <a:r>
+              <a:rPr lang="fr-FR" dirty="0" smtClean="0"/>
+              <a:t>BO non corrigée</a:t>
+            </a:r>
+            <a:endParaRPr lang="fr-FR" dirty="0"/>
+          </a:p>
+        </p:txBody>
+      </p:sp>
+      <p:sp>
+        <p:nvSpPr>
+          <p:cNvPr id="8" name="ZoneTexte 7"/>
+          <p:cNvSpPr txBox="1"/>
+          <p:nvPr/>
+        </p:nvSpPr>
+        <p:spPr>
+          <a:xfrm rot="2386385">
+            <a:off x="5238079" y="2296913"/>
+            <a:ext cx="1868915" cy="369332"/>
+          </a:xfrm>
+          <a:prstGeom prst="rect">
+            <a:avLst/>
+          </a:prstGeom>
+          <a:noFill/>
+        </p:spPr>
+        <p:txBody>
+          <a:bodyPr wrap="square" rtlCol="0">
+            <a:spAutoFit/>
+          </a:bodyPr>
+          <a:lstStyle/>
+          <a:p>
+            <a:r>
+              <a:rPr lang="fr-FR" dirty="0" smtClean="0"/>
+              <a:t>BO non corrigée</a:t>
+            </a:r>
+            <a:endParaRPr lang="fr-FR" dirty="0"/>
+          </a:p>
+        </p:txBody>
+      </p:sp>
+      <p:sp>
+        <p:nvSpPr>
+          <p:cNvPr id="9" name="ZoneTexte 8"/>
+          <p:cNvSpPr txBox="1"/>
+          <p:nvPr/>
+        </p:nvSpPr>
+        <p:spPr>
+          <a:xfrm>
+            <a:off x="4496136" y="5216938"/>
+            <a:ext cx="1868915" cy="369332"/>
+          </a:xfrm>
+          <a:prstGeom prst="rect">
+            <a:avLst/>
+          </a:prstGeom>
+          <a:noFill/>
+        </p:spPr>
+        <p:txBody>
+          <a:bodyPr wrap="square" rtlCol="0">
+            <a:spAutoFit/>
+          </a:bodyPr>
+          <a:lstStyle/>
+          <a:p>
+            <a:r>
+              <a:rPr lang="fr-FR" dirty="0" smtClean="0"/>
+              <a:t>BO Corrigée</a:t>
+            </a:r>
+            <a:endParaRPr lang="fr-FR" dirty="0"/>
+          </a:p>
+        </p:txBody>
+      </p:sp>
+      <p:sp>
+        <p:nvSpPr>
+          <p:cNvPr id="10" name="ZoneTexte 9"/>
+          <p:cNvSpPr txBox="1"/>
+          <p:nvPr/>
+        </p:nvSpPr>
+        <p:spPr>
+          <a:xfrm>
+            <a:off x="5652557" y="5395642"/>
+            <a:ext cx="1868915" cy="646331"/>
+          </a:xfrm>
+          <a:prstGeom prst="rect">
+            <a:avLst/>
+          </a:prstGeom>
+          <a:noFill/>
+        </p:spPr>
+        <p:txBody>
+          <a:bodyPr wrap="square" rtlCol="0">
+            <a:spAutoFit/>
+          </a:bodyPr>
+          <a:lstStyle/>
+          <a:p>
+            <a:r>
+              <a:rPr lang="fr-FR" dirty="0" smtClean="0"/>
+              <a:t>Augmentation locale de le phase</a:t>
+            </a:r>
+            <a:endParaRPr lang="fr-FR" dirty="0"/>
+          </a:p>
+        </p:txBody>
+      </p:sp>
+    </p:spTree>
+    <p:extLst>
+      <p:ext uri="{BB962C8B-B14F-4D97-AF65-F5344CB8AC3E}">
+        <p14:creationId xmlns:p14="http://schemas.microsoft.com/office/powerpoint/2010/main" val="298524199"/>
+      </p:ext>
+    </p:extLst>
+  </p:cSld>
+  <p:clrMapOvr>
+    <a:masterClrMapping/>
+  </p:clrMapOvr>
+</p:sld>
+</file>
+
 <file path=ppt/theme/theme1.xml><?xml version="1.0" encoding="utf-8"?>
 <a:theme xmlns:a="http://schemas.openxmlformats.org/drawingml/2006/main" name="Thème Office">
   <a:themeElements>
